--- a/luentokalvot.pptx
+++ b/luentokalvot.pptx
@@ -202,7 +202,7 @@
             <a:fld id="{F97E8633-DD50-467C-B21A-E1CECDED6BB2}" type="datetimeFigureOut">
               <a:rPr lang="fi-FI" sz="900"/>
               <a:pPr/>
-              <a:t>15.12.2012</a:t>
+              <a:t>17.12.2012</a:t>
             </a:fld>
             <a:endParaRPr lang="en-GB" sz="900"/>
           </a:p>
@@ -370,7 +370,7 @@
             <a:fld id="{0B85FA14-6BD0-4B51-94D4-05F5A75E4036}" type="datetimeFigureOut">
               <a:rPr lang="fi-FI" smtClean="0"/>
               <a:pPr/>
-              <a:t>15.12.2012</a:t>
+              <a:t>17.12.2012</a:t>
             </a:fld>
             <a:endParaRPr lang="en-GB"/>
           </a:p>
@@ -5813,7 +5813,7 @@
           </a:lstStyle>
           <a:p>
             <a:r>
-              <a:rPr lang="fi-FI" smtClean="0"/>
+              <a:rPr lang="en-US" smtClean="0"/>
               <a:t>11 April 2012</a:t>
             </a:r>
             <a:endParaRPr lang="en-GB" dirty="0"/>
@@ -5853,14 +5853,8 @@
           </a:lstStyle>
           <a:p>
             <a:r>
-              <a:rPr lang="en-US" dirty="0" smtClean="0"/>
-              <a:t>Faculty of Science</a:t>
-            </a:r>
-          </a:p>
-          <a:p>
-            <a:r>
-              <a:rPr lang="en-US" dirty="0" smtClean="0"/>
-              <a:t>Department of Computer Science</a:t>
+              <a:rPr lang="en-US" smtClean="0"/>
+              <a:t>Tero Huomo &amp; Kati Kyllönen</a:t>
             </a:r>
             <a:endParaRPr lang="en-GB" dirty="0"/>
           </a:p>
@@ -6010,7 +6004,7 @@
           <a:lstStyle/>
           <a:p>
             <a:r>
-              <a:rPr lang="fi-FI" smtClean="0"/>
+              <a:rPr lang="en-US" smtClean="0"/>
               <a:t>11 April 2012</a:t>
             </a:r>
             <a:endParaRPr lang="en-GB"/>
@@ -6058,7 +6052,7 @@
           <a:p>
             <a:r>
               <a:rPr lang="en-US" smtClean="0"/>
-              <a:t>Faculty of Science Department of Computer Science</a:t>
+              <a:t>Tero Huomo &amp; Kati Kyllönen</a:t>
             </a:r>
             <a:endParaRPr lang="en-GB"/>
           </a:p>
@@ -14965,7 +14959,7 @@
           </a:lstStyle>
           <a:p>
             <a:r>
-              <a:rPr lang="fi-FI" smtClean="0"/>
+              <a:rPr lang="en-US" smtClean="0"/>
               <a:t>11 April 2012</a:t>
             </a:r>
             <a:endParaRPr lang="en-GB" dirty="0"/>
@@ -15005,14 +14999,8 @@
           </a:lstStyle>
           <a:p>
             <a:r>
-              <a:rPr lang="en-US" dirty="0" smtClean="0"/>
-              <a:t>Faculty of Science</a:t>
-            </a:r>
-          </a:p>
-          <a:p>
-            <a:r>
-              <a:rPr lang="en-US" dirty="0" smtClean="0"/>
-              <a:t>Department of Computer Science</a:t>
+              <a:rPr lang="en-US" smtClean="0"/>
+              <a:t>Tero Huomo &amp; Kati Kyllönen</a:t>
             </a:r>
             <a:endParaRPr lang="en-GB" dirty="0"/>
           </a:p>
@@ -15214,7 +15202,7 @@
           <a:lstStyle/>
           <a:p>
             <a:r>
-              <a:rPr lang="fi-FI" smtClean="0"/>
+              <a:rPr lang="en-US" smtClean="0"/>
               <a:t>11 April 2012</a:t>
             </a:r>
             <a:endParaRPr lang="en-GB"/>
@@ -15261,14 +15249,8 @@
           <a:lstStyle/>
           <a:p>
             <a:r>
-              <a:rPr lang="en-US" dirty="0" smtClean="0"/>
-              <a:t>Faculty of Science</a:t>
-            </a:r>
-          </a:p>
-          <a:p>
-            <a:r>
-              <a:rPr lang="en-US" dirty="0" smtClean="0"/>
-              <a:t>Department of Computer Science</a:t>
+              <a:rPr lang="en-US" smtClean="0"/>
+              <a:t>Tero Huomo &amp; Kati Kyllönen</a:t>
             </a:r>
             <a:endParaRPr lang="en-GB" dirty="0"/>
           </a:p>
@@ -15535,7 +15517,7 @@
           <a:lstStyle/>
           <a:p>
             <a:r>
-              <a:rPr lang="fi-FI" smtClean="0"/>
+              <a:rPr lang="en-US" smtClean="0"/>
               <a:t>11 April 2012</a:t>
             </a:r>
             <a:endParaRPr lang="en-GB"/>
@@ -15582,14 +15564,8 @@
           <a:lstStyle/>
           <a:p>
             <a:r>
-              <a:rPr lang="en-US" dirty="0" smtClean="0"/>
-              <a:t>Faculty of Science</a:t>
-            </a:r>
-          </a:p>
-          <a:p>
-            <a:r>
-              <a:rPr lang="en-US" dirty="0" smtClean="0"/>
-              <a:t>Department of Computer Science</a:t>
+              <a:rPr lang="en-US" smtClean="0"/>
+              <a:t>Tero Huomo &amp; Kati Kyllönen</a:t>
             </a:r>
             <a:endParaRPr lang="en-GB" dirty="0"/>
           </a:p>
@@ -15659,7 +15635,7 @@
           <a:lstStyle/>
           <a:p>
             <a:r>
-              <a:rPr lang="fi-FI" smtClean="0"/>
+              <a:rPr lang="en-US" smtClean="0"/>
               <a:t>11 April 2012</a:t>
             </a:r>
             <a:endParaRPr lang="en-GB"/>
@@ -15683,13 +15659,7 @@
           <a:p>
             <a:r>
               <a:rPr lang="en-US" smtClean="0"/>
-              <a:t>Faculty of Science</a:t>
-            </a:r>
-          </a:p>
-          <a:p>
-            <a:r>
-              <a:rPr lang="en-US" smtClean="0"/>
-              <a:t>Department of Computer Science</a:t>
+              <a:t>Tero Huomo &amp; Kati Kyllönen</a:t>
             </a:r>
             <a:endParaRPr lang="en-GB" dirty="0"/>
           </a:p>
@@ -15783,7 +15753,7 @@
           <a:lstStyle/>
           <a:p>
             <a:r>
-              <a:rPr lang="fi-FI" smtClean="0"/>
+              <a:rPr lang="en-US" smtClean="0"/>
               <a:t>11 April 2012</a:t>
             </a:r>
             <a:endParaRPr lang="en-GB"/>
@@ -15830,14 +15800,8 @@
           <a:lstStyle/>
           <a:p>
             <a:r>
-              <a:rPr lang="en-US" dirty="0" smtClean="0"/>
-              <a:t>Faculty of Science</a:t>
-            </a:r>
-          </a:p>
-          <a:p>
-            <a:r>
-              <a:rPr lang="en-US" dirty="0" smtClean="0"/>
-              <a:t>Department of Computer Science</a:t>
+              <a:rPr lang="en-US" smtClean="0"/>
+              <a:t>Tero Huomo &amp; Kati Kyllönen</a:t>
             </a:r>
             <a:endParaRPr lang="en-GB" dirty="0"/>
           </a:p>
@@ -15912,7 +15876,7 @@
           <a:lstStyle/>
           <a:p>
             <a:r>
-              <a:rPr lang="fi-FI" smtClean="0"/>
+              <a:rPr lang="en-US" smtClean="0"/>
               <a:t>11 April 2012</a:t>
             </a:r>
             <a:endParaRPr lang="en-GB"/>
@@ -15959,14 +15923,8 @@
           <a:lstStyle/>
           <a:p>
             <a:r>
-              <a:rPr lang="en-US" dirty="0" smtClean="0"/>
-              <a:t>Faculty of Science</a:t>
-            </a:r>
-          </a:p>
-          <a:p>
-            <a:r>
-              <a:rPr lang="en-US" dirty="0" smtClean="0"/>
-              <a:t>Department of Computer Science</a:t>
+              <a:rPr lang="en-US" smtClean="0"/>
+              <a:t>Tero Huomo &amp; Kati Kyllönen</a:t>
             </a:r>
             <a:endParaRPr lang="en-GB" dirty="0"/>
           </a:p>
@@ -16064,7 +16022,7 @@
           <a:lstStyle/>
           <a:p>
             <a:r>
-              <a:rPr lang="fi-FI" smtClean="0"/>
+              <a:rPr lang="en-US" smtClean="0"/>
               <a:t>11 April 2012</a:t>
             </a:r>
             <a:endParaRPr lang="en-GB"/>
@@ -16111,14 +16069,8 @@
           <a:lstStyle/>
           <a:p>
             <a:r>
-              <a:rPr lang="en-US" dirty="0" smtClean="0"/>
-              <a:t>Faculty of Science</a:t>
-            </a:r>
-          </a:p>
-          <a:p>
-            <a:r>
-              <a:rPr lang="en-US" dirty="0" smtClean="0"/>
-              <a:t>Department of Computer Science</a:t>
+              <a:rPr lang="en-US" smtClean="0"/>
+              <a:t>Tero Huomo &amp; Kati Kyllönen</a:t>
             </a:r>
             <a:endParaRPr lang="en-GB" dirty="0"/>
           </a:p>
@@ -16303,7 +16255,7 @@
           <a:lstStyle/>
           <a:p>
             <a:r>
-              <a:rPr lang="fi-FI" smtClean="0"/>
+              <a:rPr lang="en-US" smtClean="0"/>
               <a:t>11 April 2012</a:t>
             </a:r>
             <a:endParaRPr lang="en-GB"/>
@@ -16350,14 +16302,8 @@
           <a:lstStyle/>
           <a:p>
             <a:r>
-              <a:rPr lang="en-US" dirty="0" smtClean="0"/>
-              <a:t>Faculty of Science</a:t>
-            </a:r>
-          </a:p>
-          <a:p>
-            <a:r>
-              <a:rPr lang="en-US" dirty="0" smtClean="0"/>
-              <a:t>Department of Computer Science</a:t>
+              <a:rPr lang="en-US" smtClean="0"/>
+              <a:t>Tero Huomo &amp; Kati Kyllönen</a:t>
             </a:r>
             <a:endParaRPr lang="en-GB" dirty="0"/>
           </a:p>
@@ -16947,7 +16893,7 @@
           </a:lstStyle>
           <a:p>
             <a:r>
-              <a:rPr lang="fi-FI" smtClean="0"/>
+              <a:rPr lang="en-US" smtClean="0"/>
               <a:t>11 April 2012</a:t>
             </a:r>
             <a:endParaRPr lang="en-GB" dirty="0"/>
@@ -16987,14 +16933,8 @@
           </a:lstStyle>
           <a:p>
             <a:r>
-              <a:rPr lang="en-US" dirty="0" smtClean="0"/>
-              <a:t>Faculty of Science</a:t>
-            </a:r>
-          </a:p>
-          <a:p>
-            <a:r>
-              <a:rPr lang="en-US" dirty="0" smtClean="0"/>
-              <a:t>Department of Computer Science</a:t>
+              <a:rPr lang="en-US" smtClean="0"/>
+              <a:t>Tero Huomo &amp; Kati Kyllönen</a:t>
             </a:r>
             <a:endParaRPr lang="en-GB" dirty="0"/>
           </a:p>
@@ -21486,7 +21426,7 @@
     <p:sldLayoutId id="2147483662" r:id="rId9"/>
     <p:sldLayoutId id="2147483655" r:id="rId10"/>
   </p:sldLayoutIdLst>
-  <p:hf hdr="0"/>
+  <p:hf hdr="0" dt="0"/>
   <p:txStyles>
     <p:titleStyle>
       <a:lvl1pPr algn="l" defTabSz="914400" rtl="0" eaLnBrk="1" latinLnBrk="0" hangingPunct="1">
@@ -21894,6 +21834,29 @@
           </a:p>
         </p:txBody>
       </p:sp>
+      <p:sp>
+        <p:nvSpPr>
+          <p:cNvPr id="2" name="Footer Placeholder 1"/>
+          <p:cNvSpPr>
+            <a:spLocks noGrp="1"/>
+          </p:cNvSpPr>
+          <p:nvPr>
+            <p:ph type="ftr" sz="quarter" idx="3"/>
+          </p:nvPr>
+        </p:nvSpPr>
+        <p:spPr/>
+        <p:txBody>
+          <a:bodyPr/>
+          <a:lstStyle/>
+          <a:p>
+            <a:r>
+              <a:rPr lang="en-US" smtClean="0"/>
+              <a:t>Tero Huomo &amp; Kati Kyllönen</a:t>
+            </a:r>
+            <a:endParaRPr lang="en-GB" dirty="0"/>
+          </a:p>
+        </p:txBody>
+      </p:sp>
     </p:spTree>
   </p:cSld>
   <p:clrMapOvr>
@@ -21956,7 +21919,6 @@
               <a:rPr lang="fi-FI" sz="2400" dirty="0" smtClean="0"/>
               <a:t>Suunnitellaan…</a:t>
             </a:r>
-            <a:endParaRPr lang="fi-FI" sz="2400" dirty="0" smtClean="0"/>
           </a:p>
           <a:p>
             <a:pPr marL="342900" indent="-342900">
@@ -21974,7 +21936,6 @@
               <a:rPr lang="fi-FI" sz="2400" dirty="0" smtClean="0"/>
               <a:t>Toteutetaan…</a:t>
             </a:r>
-            <a:endParaRPr lang="fi-FI" sz="2400" dirty="0" smtClean="0"/>
           </a:p>
           <a:p>
             <a:pPr marL="342900" indent="-342900">
@@ -21992,7 +21953,6 @@
               <a:rPr lang="fi-FI" sz="2400" dirty="0" smtClean="0"/>
               <a:t>Testataan…</a:t>
             </a:r>
-            <a:endParaRPr lang="fi-FI" sz="2400" dirty="0" smtClean="0"/>
           </a:p>
           <a:p>
             <a:pPr marL="342900" indent="-342900">
@@ -22087,6 +22047,29 @@
               <a:t>2</a:t>
             </a:fld>
             <a:endParaRPr lang="en-GB"/>
+          </a:p>
+        </p:txBody>
+      </p:sp>
+      <p:sp>
+        <p:nvSpPr>
+          <p:cNvPr id="2" name="Footer Placeholder 1"/>
+          <p:cNvSpPr>
+            <a:spLocks noGrp="1"/>
+          </p:cNvSpPr>
+          <p:nvPr>
+            <p:ph type="ftr" sz="quarter" idx="12"/>
+          </p:nvPr>
+        </p:nvSpPr>
+        <p:spPr/>
+        <p:txBody>
+          <a:bodyPr/>
+          <a:lstStyle/>
+          <a:p>
+            <a:r>
+              <a:rPr lang="en-US" smtClean="0"/>
+              <a:t>Tero Huomo &amp; Kati Kyllönen</a:t>
+            </a:r>
+            <a:endParaRPr lang="en-GB" dirty="0"/>
           </a:p>
         </p:txBody>
       </p:sp>
@@ -22327,6 +22310,29 @@
           </a:extLst>
         </p:spPr>
       </p:pic>
+      <p:sp>
+        <p:nvSpPr>
+          <p:cNvPr id="2" name="Footer Placeholder 1"/>
+          <p:cNvSpPr>
+            <a:spLocks noGrp="1"/>
+          </p:cNvSpPr>
+          <p:nvPr>
+            <p:ph type="ftr" sz="quarter" idx="12"/>
+          </p:nvPr>
+        </p:nvSpPr>
+        <p:spPr/>
+        <p:txBody>
+          <a:bodyPr/>
+          <a:lstStyle/>
+          <a:p>
+            <a:r>
+              <a:rPr lang="en-US" smtClean="0"/>
+              <a:t>Tero Huomo &amp; Kati Kyllönen</a:t>
+            </a:r>
+            <a:endParaRPr lang="en-GB" dirty="0"/>
+          </a:p>
+        </p:txBody>
+      </p:sp>
     </p:spTree>
     <p:extLst>
       <p:ext uri="{BB962C8B-B14F-4D97-AF65-F5344CB8AC3E}">
@@ -22470,11 +22476,6 @@
               </a:rPr>
               <a:t>HYLÄTTY!</a:t>
             </a:r>
-            <a:endParaRPr lang="fi-FI" sz="2400" dirty="0" smtClean="0">
-              <a:solidFill>
-                <a:srgbClr val="FF0000"/>
-              </a:solidFill>
-            </a:endParaRPr>
           </a:p>
           <a:p>
             <a:pPr marL="342900" indent="-342900">
@@ -22581,6 +22582,29 @@
           </a:extLst>
         </p:spPr>
       </p:pic>
+      <p:sp>
+        <p:nvSpPr>
+          <p:cNvPr id="2" name="Footer Placeholder 1"/>
+          <p:cNvSpPr>
+            <a:spLocks noGrp="1"/>
+          </p:cNvSpPr>
+          <p:nvPr>
+            <p:ph type="ftr" sz="quarter" idx="12"/>
+          </p:nvPr>
+        </p:nvSpPr>
+        <p:spPr/>
+        <p:txBody>
+          <a:bodyPr/>
+          <a:lstStyle/>
+          <a:p>
+            <a:r>
+              <a:rPr lang="en-US" smtClean="0"/>
+              <a:t>Tero Huomo &amp; Kati Kyllönen</a:t>
+            </a:r>
+            <a:endParaRPr lang="en-GB" dirty="0"/>
+          </a:p>
+        </p:txBody>
+      </p:sp>
     </p:spTree>
     <p:extLst>
       <p:ext uri="{BB962C8B-B14F-4D97-AF65-F5344CB8AC3E}">
@@ -22676,8 +22700,13 @@
             </a:pPr>
             <a:r>
               <a:rPr lang="fi-FI" sz="2400" dirty="0" smtClean="0"/>
-              <a:t>Jos et käy keskustelemassa, et saa palautetta</a:t>
+              <a:t>Jos et käy keskustelemassa, </a:t>
             </a:r>
+            <a:r>
+              <a:rPr lang="fi-FI" sz="2400" dirty="0" smtClean="0"/>
+              <a:t>palaute jää saamatta</a:t>
+            </a:r>
+            <a:endParaRPr lang="fi-FI" sz="2400" dirty="0" smtClean="0"/>
           </a:p>
           <a:p>
             <a:pPr marL="342900" indent="-342900">
@@ -22693,7 +22722,27 @@
             </a:pPr>
             <a:r>
               <a:rPr lang="fi-FI" sz="2400" dirty="0" smtClean="0"/>
-              <a:t>Apua tarjoaa Google, Java API, StackOverflow, kanssaopiskelijat, #joululabra @ Ircnet</a:t>
+              <a:t>Apua tarjoaa </a:t>
+            </a:r>
+            <a:r>
+              <a:rPr lang="fi-FI" sz="2400" dirty="0" smtClean="0"/>
+              <a:t>ohjaajat, </a:t>
+            </a:r>
+            <a:r>
+              <a:rPr lang="fi-FI" sz="2400" dirty="0" smtClean="0"/>
+              <a:t>Google</a:t>
+            </a:r>
+            <a:r>
+              <a:rPr lang="fi-FI" sz="2400" dirty="0" smtClean="0"/>
+              <a:t>, Java API, StackOverflow, kanssaopiskelijat, </a:t>
+            </a:r>
+            <a:r>
+              <a:rPr lang="fi-FI" sz="2400" dirty="0" smtClean="0"/>
+              <a:t>#</a:t>
+            </a:r>
+            <a:r>
+              <a:rPr lang="fi-FI" sz="2400" dirty="0" smtClean="0"/>
+              <a:t>joululabra @ Ircnet</a:t>
             </a:r>
           </a:p>
           <a:p>
@@ -22757,6 +22806,29 @@
                 <a:srgbClr val="8C8A87"/>
               </a:solidFill>
             </a:endParaRPr>
+          </a:p>
+        </p:txBody>
+      </p:sp>
+      <p:sp>
+        <p:nvSpPr>
+          <p:cNvPr id="2" name="Footer Placeholder 1"/>
+          <p:cNvSpPr>
+            <a:spLocks noGrp="1"/>
+          </p:cNvSpPr>
+          <p:nvPr>
+            <p:ph type="ftr" sz="quarter" idx="12"/>
+          </p:nvPr>
+        </p:nvSpPr>
+        <p:spPr/>
+        <p:txBody>
+          <a:bodyPr/>
+          <a:lstStyle/>
+          <a:p>
+            <a:r>
+              <a:rPr lang="en-US" smtClean="0"/>
+              <a:t>Tero Huomo &amp; Kati Kyllönen</a:t>
+            </a:r>
+            <a:endParaRPr lang="en-GB" dirty="0"/>
           </a:p>
         </p:txBody>
       </p:sp>
@@ -22842,7 +22914,19 @@
             </a:pPr>
             <a:r>
               <a:rPr lang="fi-FI" sz="2400" dirty="0" smtClean="0"/>
-              <a:t>Luet annetun opiskelijan projektia, annat palautteen</a:t>
+              <a:t>Luet annetun opiskelijan </a:t>
+            </a:r>
+            <a:r>
+              <a:rPr lang="fi-FI" sz="2400" dirty="0" smtClean="0"/>
+              <a:t>ohjelmakoodia</a:t>
+            </a:r>
+            <a:r>
+              <a:rPr lang="fi-FI" sz="2400" dirty="0" smtClean="0"/>
+              <a:t>, </a:t>
+            </a:r>
+            <a:r>
+              <a:rPr lang="fi-FI" sz="2400" dirty="0" smtClean="0"/>
+              <a:t>annat palautteen</a:t>
             </a:r>
           </a:p>
           <a:p>
@@ -22859,7 +22943,15 @@
             </a:pPr>
             <a:r>
               <a:rPr lang="fi-FI" sz="2400" dirty="0" smtClean="0"/>
-              <a:t>Suoritetaan 2 kertaa, Uuden Vuoden jälkeen</a:t>
+              <a:t>Suoritetaan 2 kertaa, </a:t>
+            </a:r>
+            <a:r>
+              <a:rPr lang="fi-FI" sz="2400" dirty="0" smtClean="0"/>
+              <a:t>uudenvuoden </a:t>
+            </a:r>
+            <a:r>
+              <a:rPr lang="fi-FI" sz="2400" dirty="0" smtClean="0"/>
+              <a:t>jälkeen</a:t>
             </a:r>
           </a:p>
           <a:p>
@@ -22876,11 +22968,7 @@
             </a:pPr>
             <a:r>
               <a:rPr lang="fi-FI" sz="2400" dirty="0" smtClean="0"/>
-              <a:t>Osallistumisesta mahdollisuus</a:t>
-            </a:r>
-            <a:r>
-              <a:rPr lang="fi-FI" sz="2400" dirty="0" smtClean="0"/>
-              <a:t> saada 1-4 pistettä</a:t>
+              <a:t>Osallistumisesta mahdollisuus saada 1-4 pistettä</a:t>
             </a:r>
           </a:p>
         </p:txBody>
@@ -22987,8 +23075,8 @@
         </p:blipFill>
         <p:spPr bwMode="auto">
           <a:xfrm>
-            <a:off x="4860032" y="0"/>
-            <a:ext cx="3708673" cy="2916070"/>
+            <a:off x="4716016" y="-113237"/>
+            <a:ext cx="3863975" cy="3038181"/>
           </a:xfrm>
           <a:prstGeom prst="rect">
             <a:avLst/>
@@ -23005,6 +23093,29 @@
           </a:extLst>
         </p:spPr>
       </p:pic>
+      <p:sp>
+        <p:nvSpPr>
+          <p:cNvPr id="2" name="Footer Placeholder 1"/>
+          <p:cNvSpPr>
+            <a:spLocks noGrp="1"/>
+          </p:cNvSpPr>
+          <p:nvPr>
+            <p:ph type="ftr" sz="quarter" idx="12"/>
+          </p:nvPr>
+        </p:nvSpPr>
+        <p:spPr/>
+        <p:txBody>
+          <a:bodyPr/>
+          <a:lstStyle/>
+          <a:p>
+            <a:r>
+              <a:rPr lang="en-US" smtClean="0"/>
+              <a:t>Tero Huomo &amp; Kati Kyllönen</a:t>
+            </a:r>
+            <a:endParaRPr lang="en-GB" dirty="0"/>
+          </a:p>
+        </p:txBody>
+      </p:sp>
     </p:spTree>
     <p:extLst>
       <p:ext uri="{BB962C8B-B14F-4D97-AF65-F5344CB8AC3E}">
@@ -23168,6 +23279,29 @@
                 <a:srgbClr val="8C8A87"/>
               </a:solidFill>
             </a:endParaRPr>
+          </a:p>
+        </p:txBody>
+      </p:sp>
+      <p:sp>
+        <p:nvSpPr>
+          <p:cNvPr id="2" name="Footer Placeholder 1"/>
+          <p:cNvSpPr>
+            <a:spLocks noGrp="1"/>
+          </p:cNvSpPr>
+          <p:nvPr>
+            <p:ph type="ftr" sz="quarter" idx="12"/>
+          </p:nvPr>
+        </p:nvSpPr>
+        <p:spPr/>
+        <p:txBody>
+          <a:bodyPr/>
+          <a:lstStyle/>
+          <a:p>
+            <a:r>
+              <a:rPr lang="en-US" smtClean="0"/>
+              <a:t>Tero Huomo &amp; Kati Kyllönen</a:t>
+            </a:r>
+            <a:endParaRPr lang="en-GB" dirty="0"/>
           </a:p>
         </p:txBody>
       </p:sp>
